--- a/2025/2025-01-31-AI-Updates.pptx
+++ b/2025/2025-01-31-AI-Updates.pptx
@@ -23421,7 +23421,7 @@
         </p:nvSpPr>
         <p:spPr>
           <a:xfrm>
-            <a:off x="3957676" y="614588"/>
+            <a:off x="3148676" y="475338"/>
             <a:ext cx="1855200" cy="818700"/>
           </a:xfrm>
           <a:prstGeom prst="rect">
@@ -23487,7 +23487,7 @@
         </p:nvSpPr>
         <p:spPr>
           <a:xfrm>
-            <a:off x="2153525" y="2273425"/>
+            <a:off x="2077325" y="2730625"/>
             <a:ext cx="2348700" cy="618600"/>
           </a:xfrm>
           <a:prstGeom prst="rect">
@@ -23553,7 +23553,7 @@
         </p:nvSpPr>
         <p:spPr>
           <a:xfrm>
-            <a:off x="8082375" y="3936275"/>
+            <a:off x="5812875" y="2822275"/>
             <a:ext cx="2789100" cy="418500"/>
           </a:xfrm>
           <a:prstGeom prst="rect">
@@ -23666,8 +23666,8 @@
         </p:blipFill>
         <p:spPr>
           <a:xfrm>
-            <a:off x="5901676" y="152400"/>
-            <a:ext cx="2326674" cy="1743076"/>
+            <a:off x="5375625" y="213330"/>
+            <a:ext cx="1650351" cy="1208741"/>
           </a:xfrm>
           <a:prstGeom prst="rect">
             <a:avLst/>
@@ -23691,8 +23691,13 @@
           <p:nvPr/>
         </p:nvPicPr>
         <p:blipFill>
-          <a:blip r:embed="rId5">
+          <a:blip r:embed="rId5" cstate="email">
             <a:alphaModFix/>
+            <a:extLst>
+              <a:ext uri="{28A0092B-C50C-407E-A947-70E740481C1C}">
+                <a14:useLocalDpi xmlns:a14="http://schemas.microsoft.com/office/drawing/2010/main"/>
+              </a:ext>
+            </a:extLst>
           </a:blip>
           <a:stretch>
             <a:fillRect/>
@@ -23700,8 +23705,8 @@
         </p:blipFill>
         <p:spPr>
           <a:xfrm>
-            <a:off x="8317138" y="152388"/>
-            <a:ext cx="2619375" cy="1743075"/>
+            <a:off x="7088956" y="213321"/>
+            <a:ext cx="1857969" cy="1208741"/>
           </a:xfrm>
           <a:prstGeom prst="rect">
             <a:avLst/>
@@ -23734,7 +23739,7 @@
         </p:blipFill>
         <p:spPr>
           <a:xfrm>
-            <a:off x="153325" y="1635200"/>
+            <a:off x="77125" y="2092400"/>
             <a:ext cx="1914525" cy="2390775"/>
           </a:xfrm>
           <a:prstGeom prst="rect">
@@ -24115,7 +24120,7 @@
                 <a:cs typeface="Calibri"/>
                 <a:sym typeface="Calibri"/>
               </a:rPr>
-              <a:t>Kiwi k1.5</a:t>
+              <a:t>Kimi k1.5</a:t>
             </a:r>
             <a:r>
               <a:rPr lang="en" sz="1200">
@@ -28867,7 +28872,7 @@
                 <a:cs typeface="Calibri"/>
                 <a:sym typeface="Calibri"/>
               </a:rPr>
-              <a:t>Oopen source (Apache 2.0)</a:t>
+              <a:t>Open source (Apache 2.0)</a:t>
             </a:r>
             <a:endParaRPr sz="1200">
               <a:solidFill>
